--- a/Proto-Persona 1.pptx
+++ b/Proto-Persona 1.pptx
@@ -260,7 +260,7 @@
           <a:p>
             <a:fld id="{661D2D86-7B15-4C79-AC42-26ACBDDC39A0}" type="datetimeFigureOut">
               <a:rPr lang="pt-BR" smtClean="0"/>
-              <a:t>22/08/2022</a:t>
+              <a:t>25/08/2022</a:t>
             </a:fld>
             <a:endParaRPr lang="pt-BR"/>
           </a:p>
@@ -458,7 +458,7 @@
           <a:p>
             <a:fld id="{661D2D86-7B15-4C79-AC42-26ACBDDC39A0}" type="datetimeFigureOut">
               <a:rPr lang="pt-BR" smtClean="0"/>
-              <a:t>22/08/2022</a:t>
+              <a:t>25/08/2022</a:t>
             </a:fld>
             <a:endParaRPr lang="pt-BR"/>
           </a:p>
@@ -666,7 +666,7 @@
           <a:p>
             <a:fld id="{661D2D86-7B15-4C79-AC42-26ACBDDC39A0}" type="datetimeFigureOut">
               <a:rPr lang="pt-BR" smtClean="0"/>
-              <a:t>22/08/2022</a:t>
+              <a:t>25/08/2022</a:t>
             </a:fld>
             <a:endParaRPr lang="pt-BR"/>
           </a:p>
@@ -864,7 +864,7 @@
           <a:p>
             <a:fld id="{661D2D86-7B15-4C79-AC42-26ACBDDC39A0}" type="datetimeFigureOut">
               <a:rPr lang="pt-BR" smtClean="0"/>
-              <a:t>22/08/2022</a:t>
+              <a:t>25/08/2022</a:t>
             </a:fld>
             <a:endParaRPr lang="pt-BR"/>
           </a:p>
@@ -1139,7 +1139,7 @@
           <a:p>
             <a:fld id="{661D2D86-7B15-4C79-AC42-26ACBDDC39A0}" type="datetimeFigureOut">
               <a:rPr lang="pt-BR" smtClean="0"/>
-              <a:t>22/08/2022</a:t>
+              <a:t>25/08/2022</a:t>
             </a:fld>
             <a:endParaRPr lang="pt-BR"/>
           </a:p>
@@ -1404,7 +1404,7 @@
           <a:p>
             <a:fld id="{661D2D86-7B15-4C79-AC42-26ACBDDC39A0}" type="datetimeFigureOut">
               <a:rPr lang="pt-BR" smtClean="0"/>
-              <a:t>22/08/2022</a:t>
+              <a:t>25/08/2022</a:t>
             </a:fld>
             <a:endParaRPr lang="pt-BR"/>
           </a:p>
@@ -1816,7 +1816,7 @@
           <a:p>
             <a:fld id="{661D2D86-7B15-4C79-AC42-26ACBDDC39A0}" type="datetimeFigureOut">
               <a:rPr lang="pt-BR" smtClean="0"/>
-              <a:t>22/08/2022</a:t>
+              <a:t>25/08/2022</a:t>
             </a:fld>
             <a:endParaRPr lang="pt-BR"/>
           </a:p>
@@ -1957,7 +1957,7 @@
           <a:p>
             <a:fld id="{661D2D86-7B15-4C79-AC42-26ACBDDC39A0}" type="datetimeFigureOut">
               <a:rPr lang="pt-BR" smtClean="0"/>
-              <a:t>22/08/2022</a:t>
+              <a:t>25/08/2022</a:t>
             </a:fld>
             <a:endParaRPr lang="pt-BR"/>
           </a:p>
@@ -2070,7 +2070,7 @@
           <a:p>
             <a:fld id="{661D2D86-7B15-4C79-AC42-26ACBDDC39A0}" type="datetimeFigureOut">
               <a:rPr lang="pt-BR" smtClean="0"/>
-              <a:t>22/08/2022</a:t>
+              <a:t>25/08/2022</a:t>
             </a:fld>
             <a:endParaRPr lang="pt-BR"/>
           </a:p>
@@ -2381,7 +2381,7 @@
           <a:p>
             <a:fld id="{661D2D86-7B15-4C79-AC42-26ACBDDC39A0}" type="datetimeFigureOut">
               <a:rPr lang="pt-BR" smtClean="0"/>
-              <a:t>22/08/2022</a:t>
+              <a:t>25/08/2022</a:t>
             </a:fld>
             <a:endParaRPr lang="pt-BR"/>
           </a:p>
@@ -2669,7 +2669,7 @@
           <a:p>
             <a:fld id="{661D2D86-7B15-4C79-AC42-26ACBDDC39A0}" type="datetimeFigureOut">
               <a:rPr lang="pt-BR" smtClean="0"/>
-              <a:t>22/08/2022</a:t>
+              <a:t>25/08/2022</a:t>
             </a:fld>
             <a:endParaRPr lang="pt-BR"/>
           </a:p>
@@ -2910,7 +2910,7 @@
           <a:p>
             <a:fld id="{661D2D86-7B15-4C79-AC42-26ACBDDC39A0}" type="datetimeFigureOut">
               <a:rPr lang="pt-BR" smtClean="0"/>
-              <a:t>22/08/2022</a:t>
+              <a:t>25/08/2022</a:t>
             </a:fld>
             <a:endParaRPr lang="pt-BR"/>
           </a:p>
@@ -3393,8 +3393,8 @@
         </p:nvSpPr>
         <p:spPr>
           <a:xfrm>
-            <a:off x="4819034" y="179436"/>
-            <a:ext cx="2553931" cy="461665"/>
+            <a:off x="160256" y="121952"/>
+            <a:ext cx="11764651" cy="461665"/>
           </a:xfrm>
           <a:prstGeom prst="rect">
             <a:avLst/>
@@ -3407,6 +3407,17 @@
           </a:bodyPr>
           <a:lstStyle/>
           <a:p>
+            <a:pPr algn="ctr"/>
+            <a:r>
+              <a:rPr lang="pt-BR" sz="2400" b="1" dirty="0" err="1">
+                <a:solidFill>
+                  <a:schemeClr val="bg1"/>
+                </a:solidFill>
+                <a:latin typeface="Arial" panose="020B0604020202020204" pitchFamily="34" charset="0"/>
+                <a:cs typeface="Arial" panose="020B0604020202020204" pitchFamily="34" charset="0"/>
+              </a:rPr>
+              <a:t>Proto-Persona</a:t>
+            </a:r>
             <a:r>
               <a:rPr lang="pt-BR" sz="2400" b="1" dirty="0">
                 <a:solidFill>
@@ -3415,8 +3426,25 @@
                 <a:latin typeface="Arial" panose="020B0604020202020204" pitchFamily="34" charset="0"/>
                 <a:cs typeface="Arial" panose="020B0604020202020204" pitchFamily="34" charset="0"/>
               </a:rPr>
-              <a:t>Proto-Persona 1</a:t>
-            </a:r>
+              <a:t> </a:t>
+            </a:r>
+            <a:r>
+              <a:rPr lang="pt-BR" sz="2400" b="1" dirty="0" smtClean="0">
+                <a:solidFill>
+                  <a:schemeClr val="bg1"/>
+                </a:solidFill>
+                <a:latin typeface="Arial" panose="020B0604020202020204" pitchFamily="34" charset="0"/>
+                <a:cs typeface="Arial" panose="020B0604020202020204" pitchFamily="34" charset="0"/>
+              </a:rPr>
+              <a:t>– Chefe de Enfermagem</a:t>
+            </a:r>
+            <a:endParaRPr lang="pt-BR" sz="2400" b="1" dirty="0">
+              <a:solidFill>
+                <a:schemeClr val="bg1"/>
+              </a:solidFill>
+              <a:latin typeface="Arial" panose="020B0604020202020204" pitchFamily="34" charset="0"/>
+              <a:cs typeface="Arial" panose="020B0604020202020204" pitchFamily="34" charset="0"/>
+            </a:endParaRPr>
           </a:p>
         </p:txBody>
       </p:sp>
@@ -3853,8 +3881,8 @@
         </p:nvSpPr>
         <p:spPr>
           <a:xfrm>
-            <a:off x="6603918" y="1593979"/>
-            <a:ext cx="4930219" cy="1754326"/>
+            <a:off x="6603918" y="1464019"/>
+            <a:ext cx="4930219" cy="2118529"/>
           </a:xfrm>
           <a:prstGeom prst="rect">
             <a:avLst/>
@@ -3868,6 +3896,9 @@
           <a:lstStyle/>
           <a:p>
             <a:pPr marL="285750" indent="-285750">
+              <a:lnSpc>
+                <a:spcPct val="150000"/>
+              </a:lnSpc>
               <a:buFont typeface="Arial" panose="020B0604020202020204" pitchFamily="34" charset="0"/>
               <a:buChar char="•"/>
             </a:pPr>
@@ -3902,6 +3933,9 @@
           </a:p>
           <a:p>
             <a:pPr marL="285750" indent="-285750">
+              <a:lnSpc>
+                <a:spcPct val="150000"/>
+              </a:lnSpc>
               <a:buFont typeface="Arial" panose="020B0604020202020204" pitchFamily="34" charset="0"/>
               <a:buChar char="•"/>
             </a:pPr>
@@ -3929,6 +3963,9 @@
           </a:p>
           <a:p>
             <a:pPr marL="285750" indent="-285750">
+              <a:lnSpc>
+                <a:spcPct val="150000"/>
+              </a:lnSpc>
               <a:buFont typeface="Arial" panose="020B0604020202020204" pitchFamily="34" charset="0"/>
               <a:buChar char="•"/>
             </a:pPr>
@@ -3963,6 +4000,9 @@
           </a:p>
           <a:p>
             <a:pPr marL="285750" indent="-285750">
+              <a:lnSpc>
+                <a:spcPct val="150000"/>
+              </a:lnSpc>
               <a:buFont typeface="Arial" panose="020B0604020202020204" pitchFamily="34" charset="0"/>
               <a:buChar char="•"/>
             </a:pPr>
@@ -3983,6 +4023,9 @@
           </a:p>
           <a:p>
             <a:pPr marL="285750" indent="-285750">
+              <a:lnSpc>
+                <a:spcPct val="150000"/>
+              </a:lnSpc>
               <a:buFont typeface="Arial" panose="020B0604020202020204" pitchFamily="34" charset="0"/>
               <a:buChar char="•"/>
             </a:pPr>
@@ -3993,20 +4036,7 @@
               </a:rPr>
               <a:t>Paciente</a:t>
             </a:r>
-          </a:p>
-          <a:p>
-            <a:pPr marL="285750" indent="-285750">
-              <a:buFont typeface="Arial" panose="020B0604020202020204" pitchFamily="34" charset="0"/>
-              <a:buChar char="•"/>
-            </a:pPr>
-            <a:r>
-              <a:rPr lang="pt-BR" dirty="0" smtClean="0">
-                <a:latin typeface="Arial" panose="020B0604020202020204" pitchFamily="34" charset="0"/>
-                <a:cs typeface="Arial" panose="020B0604020202020204" pitchFamily="34" charset="0"/>
-              </a:rPr>
-              <a:t>É chefe de enfermagem</a:t>
-            </a:r>
-            <a:endParaRPr lang="pt-BR" dirty="0">
+            <a:endParaRPr lang="pt-BR" dirty="0" smtClean="0">
               <a:latin typeface="Arial" panose="020B0604020202020204" pitchFamily="34" charset="0"/>
               <a:cs typeface="Arial" panose="020B0604020202020204" pitchFamily="34" charset="0"/>
             </a:endParaRPr>
@@ -4235,8 +4265,8 @@
         </p:nvSpPr>
         <p:spPr>
           <a:xfrm>
-            <a:off x="4819034" y="179436"/>
-            <a:ext cx="2553931" cy="461665"/>
+            <a:off x="383098" y="132748"/>
+            <a:ext cx="11642103" cy="461665"/>
           </a:xfrm>
           <a:prstGeom prst="rect">
             <a:avLst/>
@@ -4249,6 +4279,17 @@
           </a:bodyPr>
           <a:lstStyle/>
           <a:p>
+            <a:pPr algn="ctr"/>
+            <a:r>
+              <a:rPr lang="pt-BR" sz="2400" b="1" dirty="0" err="1">
+                <a:solidFill>
+                  <a:schemeClr val="bg1"/>
+                </a:solidFill>
+                <a:latin typeface="Arial" panose="020B0604020202020204" pitchFamily="34" charset="0"/>
+                <a:cs typeface="Arial" panose="020B0604020202020204" pitchFamily="34" charset="0"/>
+              </a:rPr>
+              <a:t>Proto-Persona</a:t>
+            </a:r>
             <a:r>
               <a:rPr lang="pt-BR" sz="2400" b="1" dirty="0">
                 <a:solidFill>
@@ -4257,8 +4298,25 @@
                 <a:latin typeface="Arial" panose="020B0604020202020204" pitchFamily="34" charset="0"/>
                 <a:cs typeface="Arial" panose="020B0604020202020204" pitchFamily="34" charset="0"/>
               </a:rPr>
-              <a:t>Proto-Persona 2</a:t>
-            </a:r>
+              <a:t> </a:t>
+            </a:r>
+            <a:r>
+              <a:rPr lang="pt-BR" sz="2400" b="1" dirty="0" smtClean="0">
+                <a:solidFill>
+                  <a:schemeClr val="bg1"/>
+                </a:solidFill>
+                <a:latin typeface="Arial" panose="020B0604020202020204" pitchFamily="34" charset="0"/>
+                <a:cs typeface="Arial" panose="020B0604020202020204" pitchFamily="34" charset="0"/>
+              </a:rPr>
+              <a:t>- Recepcionista</a:t>
+            </a:r>
+            <a:endParaRPr lang="pt-BR" sz="2400" b="1" dirty="0">
+              <a:solidFill>
+                <a:schemeClr val="bg1"/>
+              </a:solidFill>
+              <a:latin typeface="Arial" panose="020B0604020202020204" pitchFamily="34" charset="0"/>
+              <a:cs typeface="Arial" panose="020B0604020202020204" pitchFamily="34" charset="0"/>
+            </a:endParaRPr>
           </a:p>
         </p:txBody>
       </p:sp>
@@ -4706,8 +4764,8 @@
         </p:nvSpPr>
         <p:spPr>
           <a:xfrm>
-            <a:off x="6696168" y="1640264"/>
-            <a:ext cx="4967926" cy="1754326"/>
+            <a:off x="6658461" y="1464019"/>
+            <a:ext cx="4967926" cy="2169825"/>
           </a:xfrm>
           <a:prstGeom prst="rect">
             <a:avLst/>
@@ -4721,6 +4779,9 @@
           <a:lstStyle/>
           <a:p>
             <a:pPr marL="285750" indent="-285750">
+              <a:lnSpc>
+                <a:spcPct val="150000"/>
+              </a:lnSpc>
               <a:buFont typeface="Arial" panose="020B0604020202020204" pitchFamily="34" charset="0"/>
               <a:buChar char="•"/>
             </a:pPr>
@@ -4734,6 +4795,9 @@
           </a:p>
           <a:p>
             <a:pPr marL="285750" indent="-285750">
+              <a:lnSpc>
+                <a:spcPct val="150000"/>
+              </a:lnSpc>
               <a:buFont typeface="Arial" panose="020B0604020202020204" pitchFamily="34" charset="0"/>
               <a:buChar char="•"/>
             </a:pPr>
@@ -4751,6 +4815,9 @@
           </a:p>
           <a:p>
             <a:pPr marL="285750" indent="-285750">
+              <a:lnSpc>
+                <a:spcPct val="150000"/>
+              </a:lnSpc>
               <a:buFont typeface="Arial" panose="020B0604020202020204" pitchFamily="34" charset="0"/>
               <a:buChar char="•"/>
             </a:pPr>
@@ -4771,6 +4838,9 @@
           </a:p>
           <a:p>
             <a:pPr marL="285750" indent="-285750">
+              <a:lnSpc>
+                <a:spcPct val="150000"/>
+              </a:lnSpc>
               <a:buFont typeface="Arial" panose="020B0604020202020204" pitchFamily="34" charset="0"/>
               <a:buChar char="•"/>
             </a:pPr>
@@ -4788,6 +4858,9 @@
           </a:p>
           <a:p>
             <a:pPr marL="285750" indent="-285750">
+              <a:lnSpc>
+                <a:spcPct val="150000"/>
+              </a:lnSpc>
               <a:buFont typeface="Arial" panose="020B0604020202020204" pitchFamily="34" charset="0"/>
               <a:buChar char="•"/>
             </a:pPr>
@@ -4812,20 +4885,7 @@
               </a:rPr>
               <a:t>jeito</a:t>
             </a:r>
-          </a:p>
-          <a:p>
-            <a:pPr marL="285750" indent="-285750">
-              <a:buFont typeface="Arial" panose="020B0604020202020204" pitchFamily="34" charset="0"/>
-              <a:buChar char="•"/>
-            </a:pPr>
-            <a:r>
-              <a:rPr lang="pt-BR" dirty="0" smtClean="0">
-                <a:latin typeface="Arial" panose="020B0604020202020204" pitchFamily="34" charset="0"/>
-                <a:cs typeface="Arial" panose="020B0604020202020204" pitchFamily="34" charset="0"/>
-              </a:rPr>
-              <a:t>É recepcionista</a:t>
-            </a:r>
-            <a:endParaRPr lang="pt-BR" dirty="0">
+            <a:endParaRPr lang="pt-BR" dirty="0" smtClean="0">
               <a:latin typeface="Arial" panose="020B0604020202020204" pitchFamily="34" charset="0"/>
               <a:cs typeface="Arial" panose="020B0604020202020204" pitchFamily="34" charset="0"/>
             </a:endParaRPr>
